--- a/pptx/00_Course.pptx
+++ b/pptx/00_Course.pptx
@@ -5,20 +5,21 @@
     <p:sldMasterId id="2147483684" r:id="rId1"/>
   </p:sldMasterIdLst>
   <p:notesMasterIdLst>
-    <p:notesMasterId r:id="rId10"/>
+    <p:notesMasterId r:id="rId11"/>
   </p:notesMasterIdLst>
   <p:handoutMasterIdLst>
-    <p:handoutMasterId r:id="rId11"/>
+    <p:handoutMasterId r:id="rId12"/>
   </p:handoutMasterIdLst>
   <p:sldIdLst>
     <p:sldId id="260" r:id="rId2"/>
     <p:sldId id="308" r:id="rId3"/>
     <p:sldId id="310" r:id="rId4"/>
     <p:sldId id="311" r:id="rId5"/>
-    <p:sldId id="312" r:id="rId6"/>
-    <p:sldId id="313" r:id="rId7"/>
-    <p:sldId id="314" r:id="rId8"/>
-    <p:sldId id="315" r:id="rId9"/>
+    <p:sldId id="316" r:id="rId6"/>
+    <p:sldId id="312" r:id="rId7"/>
+    <p:sldId id="313" r:id="rId8"/>
+    <p:sldId id="314" r:id="rId9"/>
+    <p:sldId id="315" r:id="rId10"/>
   </p:sldIdLst>
   <p:sldSz cx="12192000" cy="6858000"/>
   <p:notesSz cx="6742113" cy="9872663"/>
@@ -300,7 +301,7 @@
           <a:p>
             <a:fld id="{1243F476-860B-4A65-8687-8964CAA026CE}" type="slidenum">
               <a:rPr lang="uk-UA" smtClean="0"/>
-              <a:t>‹№›</a:t>
+              <a:t>‹#›</a:t>
             </a:fld>
             <a:endParaRPr lang="uk-UA"/>
           </a:p>
@@ -558,7 +559,7 @@
           <a:p>
             <a:fld id="{D2584530-CA7D-4354-9882-5DAFE98A5211}" type="slidenum">
               <a:rPr lang="uk-UA" smtClean="0"/>
-              <a:t>‹№›</a:t>
+              <a:t>‹#›</a:t>
             </a:fld>
             <a:endParaRPr lang="uk-UA"/>
           </a:p>
@@ -963,7 +964,7 @@
     </p:spTree>
     <p:extLst>
       <p:ext uri="{BB962C8B-B14F-4D97-AF65-F5344CB8AC3E}">
-        <p14:creationId xmlns:p14="http://schemas.microsoft.com/office/powerpoint/2010/main" val="1637026320"/>
+        <p14:creationId xmlns:p14="http://schemas.microsoft.com/office/powerpoint/2010/main" val="528826068"/>
       </p:ext>
     </p:extLst>
   </p:cSld>
@@ -1024,7 +1025,7 @@
     </p:spTree>
     <p:extLst>
       <p:ext uri="{BB962C8B-B14F-4D97-AF65-F5344CB8AC3E}">
-        <p14:creationId xmlns:p14="http://schemas.microsoft.com/office/powerpoint/2010/main" val="4030252886"/>
+        <p14:creationId xmlns:p14="http://schemas.microsoft.com/office/powerpoint/2010/main" val="1637026320"/>
       </p:ext>
     </p:extLst>
   </p:cSld>
@@ -1085,6 +1086,67 @@
     </p:spTree>
     <p:extLst>
       <p:ext uri="{BB962C8B-B14F-4D97-AF65-F5344CB8AC3E}">
+        <p14:creationId xmlns:p14="http://schemas.microsoft.com/office/powerpoint/2010/main" val="4030252886"/>
+      </p:ext>
+    </p:extLst>
+  </p:cSld>
+  <p:clrMapOvr>
+    <a:masterClrMapping/>
+  </p:clrMapOvr>
+</p:notes>
+</file>
+
+<file path=ppt/notesSlides/notesSlide8.xml><?xml version="1.0" encoding="utf-8"?>
+<p:notes xmlns:a="http://schemas.openxmlformats.org/drawingml/2006/main" xmlns:r="http://schemas.openxmlformats.org/officeDocument/2006/relationships" xmlns:p="http://schemas.openxmlformats.org/presentationml/2006/main">
+  <p:cSld>
+    <p:spTree>
+      <p:nvGrpSpPr>
+        <p:cNvPr id="1" name=""/>
+        <p:cNvGrpSpPr/>
+        <p:nvPr/>
+      </p:nvGrpSpPr>
+      <p:grpSpPr>
+        <a:xfrm>
+          <a:off x="0" y="0"/>
+          <a:ext cx="0" cy="0"/>
+          <a:chOff x="0" y="0"/>
+          <a:chExt cx="0" cy="0"/>
+        </a:xfrm>
+      </p:grpSpPr>
+      <p:sp>
+        <p:nvSpPr>
+          <p:cNvPr id="2" name="Місце для зображення 1"/>
+          <p:cNvSpPr>
+            <a:spLocks noGrp="1" noRot="1" noChangeAspect="1"/>
+          </p:cNvSpPr>
+          <p:nvPr>
+            <p:ph type="sldImg"/>
+          </p:nvPr>
+        </p:nvSpPr>
+        <p:spPr/>
+      </p:sp>
+      <p:sp>
+        <p:nvSpPr>
+          <p:cNvPr id="3" name="Місце для нотаток 2"/>
+          <p:cNvSpPr>
+            <a:spLocks noGrp="1"/>
+          </p:cNvSpPr>
+          <p:nvPr>
+            <p:ph type="body" idx="1"/>
+          </p:nvPr>
+        </p:nvSpPr>
+        <p:spPr/>
+        <p:txBody>
+          <a:bodyPr/>
+          <a:lstStyle/>
+          <a:p>
+            <a:endParaRPr lang="uk-UA" dirty="0"/>
+          </a:p>
+        </p:txBody>
+      </p:sp>
+    </p:spTree>
+    <p:extLst>
+      <p:ext uri="{BB962C8B-B14F-4D97-AF65-F5344CB8AC3E}">
         <p14:creationId xmlns:p14="http://schemas.microsoft.com/office/powerpoint/2010/main" val="3899195856"/>
       </p:ext>
     </p:extLst>
@@ -1095,7 +1157,7 @@
 </p:notes>
 </file>
 
-<file path=ppt/notesSlides/notesSlide8.xml><?xml version="1.0" encoding="utf-8"?>
+<file path=ppt/notesSlides/notesSlide9.xml><?xml version="1.0" encoding="utf-8"?>
 <p:notes xmlns:a="http://schemas.openxmlformats.org/drawingml/2006/main" xmlns:r="http://schemas.openxmlformats.org/officeDocument/2006/relationships" xmlns:p="http://schemas.openxmlformats.org/presentationml/2006/main">
   <p:cSld>
     <p:spTree>
@@ -1652,7 +1714,7 @@
           <a:p>
             <a:fld id="{472947FE-C0EE-4B89-BF95-BB6F5DBEA98C}" type="slidenum">
               <a:rPr lang="uk-UA" smtClean="0"/>
-              <a:t>‹№›</a:t>
+              <a:t>‹#›</a:t>
             </a:fld>
             <a:endParaRPr lang="uk-UA"/>
           </a:p>
@@ -1822,7 +1884,7 @@
           <a:p>
             <a:fld id="{472947FE-C0EE-4B89-BF95-BB6F5DBEA98C}" type="slidenum">
               <a:rPr lang="uk-UA" smtClean="0"/>
-              <a:t>‹№›</a:t>
+              <a:t>‹#›</a:t>
             </a:fld>
             <a:endParaRPr lang="uk-UA"/>
           </a:p>
@@ -2002,7 +2064,7 @@
           <a:p>
             <a:fld id="{472947FE-C0EE-4B89-BF95-BB6F5DBEA98C}" type="slidenum">
               <a:rPr lang="uk-UA" smtClean="0"/>
-              <a:t>‹№›</a:t>
+              <a:t>‹#›</a:t>
             </a:fld>
             <a:endParaRPr lang="uk-UA"/>
           </a:p>
@@ -2242,7 +2304,7 @@
             <a:fld id="{472947FE-C0EE-4B89-BF95-BB6F5DBEA98C}" type="slidenum">
               <a:rPr lang="uk-UA" smtClean="0"/>
               <a:pPr/>
-              <a:t>‹№›</a:t>
+              <a:t>‹#›</a:t>
             </a:fld>
             <a:endParaRPr lang="uk-UA" dirty="0"/>
           </a:p>
@@ -2421,7 +2483,7 @@
             <a:fld id="{472947FE-C0EE-4B89-BF95-BB6F5DBEA98C}" type="slidenum">
               <a:rPr lang="uk-UA" smtClean="0"/>
               <a:pPr/>
-              <a:t>‹№›</a:t>
+              <a:t>‹#›</a:t>
             </a:fld>
             <a:endParaRPr lang="uk-UA" dirty="0"/>
           </a:p>
@@ -2886,7 +2948,7 @@
             <a:fld id="{472947FE-C0EE-4B89-BF95-BB6F5DBEA98C}" type="slidenum">
               <a:rPr lang="uk-UA" smtClean="0"/>
               <a:pPr/>
-              <a:t>‹№›</a:t>
+              <a:t>‹#›</a:t>
             </a:fld>
             <a:endParaRPr lang="uk-UA" dirty="0"/>
           </a:p>
@@ -3344,7 +3406,7 @@
           <a:p>
             <a:fld id="{472947FE-C0EE-4B89-BF95-BB6F5DBEA98C}" type="slidenum">
               <a:rPr lang="uk-UA" smtClean="0"/>
-              <a:t>‹№›</a:t>
+              <a:t>‹#›</a:t>
             </a:fld>
             <a:endParaRPr lang="uk-UA"/>
           </a:p>
@@ -3526,7 +3588,7 @@
             <a:fld id="{472947FE-C0EE-4B89-BF95-BB6F5DBEA98C}" type="slidenum">
               <a:rPr lang="uk-UA" smtClean="0"/>
               <a:pPr/>
-              <a:t>‹№›</a:t>
+              <a:t>‹#›</a:t>
             </a:fld>
             <a:endParaRPr lang="uk-UA" dirty="0"/>
           </a:p>
@@ -4079,7 +4141,7 @@
           <a:p>
             <a:fld id="{472947FE-C0EE-4B89-BF95-BB6F5DBEA98C}" type="slidenum">
               <a:rPr lang="uk-UA" smtClean="0"/>
-              <a:t>‹№›</a:t>
+              <a:t>‹#›</a:t>
             </a:fld>
             <a:endParaRPr lang="uk-UA"/>
           </a:p>
@@ -4311,7 +4373,7 @@
           <a:p>
             <a:fld id="{472947FE-C0EE-4B89-BF95-BB6F5DBEA98C}" type="slidenum">
               <a:rPr lang="uk-UA" smtClean="0"/>
-              <a:t>‹№›</a:t>
+              <a:t>‹#›</a:t>
             </a:fld>
             <a:endParaRPr lang="uk-UA"/>
           </a:p>
@@ -4678,7 +4740,7 @@
           <a:p>
             <a:fld id="{472947FE-C0EE-4B89-BF95-BB6F5DBEA98C}" type="slidenum">
               <a:rPr lang="uk-UA" smtClean="0"/>
-              <a:t>‹№›</a:t>
+              <a:t>‹#›</a:t>
             </a:fld>
             <a:endParaRPr lang="uk-UA"/>
           </a:p>
@@ -4796,7 +4858,7 @@
           <a:p>
             <a:fld id="{472947FE-C0EE-4B89-BF95-BB6F5DBEA98C}" type="slidenum">
               <a:rPr lang="uk-UA" smtClean="0"/>
-              <a:t>‹№›</a:t>
+              <a:t>‹#›</a:t>
             </a:fld>
             <a:endParaRPr lang="uk-UA"/>
           </a:p>
@@ -4891,7 +4953,7 @@
           <a:p>
             <a:fld id="{472947FE-C0EE-4B89-BF95-BB6F5DBEA98C}" type="slidenum">
               <a:rPr lang="uk-UA" smtClean="0"/>
-              <a:t>‹№›</a:t>
+              <a:t>‹#›</a:t>
             </a:fld>
             <a:endParaRPr lang="uk-UA"/>
           </a:p>
@@ -5140,7 +5202,7 @@
           <a:p>
             <a:fld id="{472947FE-C0EE-4B89-BF95-BB6F5DBEA98C}" type="slidenum">
               <a:rPr lang="uk-UA" smtClean="0"/>
-              <a:t>‹№›</a:t>
+              <a:t>‹#›</a:t>
             </a:fld>
             <a:endParaRPr lang="uk-UA"/>
           </a:p>
@@ -5881,7 +5943,7 @@
         </p:blipFill>
         <p:spPr>
           <a:xfrm>
-            <a:off x="9603350" y="1053491"/>
+            <a:off x="9957768" y="472244"/>
             <a:ext cx="1686935" cy="409081"/>
           </a:xfrm>
           <a:prstGeom prst="rect">
@@ -6000,42 +6062,55 @@
             <p:ph idx="1"/>
           </p:nvPr>
         </p:nvSpPr>
-        <p:spPr/>
+        <p:spPr>
+          <a:xfrm>
+            <a:off x="838200" y="1825625"/>
+            <a:ext cx="9455889" cy="4351338"/>
+          </a:xfrm>
+        </p:spPr>
         <p:txBody>
           <a:bodyPr>
             <a:normAutofit/>
           </a:bodyPr>
           <a:lstStyle/>
           <a:p>
-            <a:pPr marL="515938" indent="-515938" algn="just">
-              <a:buFont typeface="+mj-lt"/>
-              <a:buAutoNum type="arabicPeriod"/>
+            <a:pPr algn="just">
+              <a:spcAft>
+                <a:spcPts val="1200"/>
+              </a:spcAft>
+              <a:buFont typeface="Wingdings" panose="05000000000000000000" pitchFamily="2" charset="2"/>
+              <a:buChar char="§"/>
             </a:pPr>
             <a:r>
-              <a:rPr lang="en-US" dirty="0"/>
-              <a:t>Blah-blah-</a:t>
-            </a:r>
-            <a:r>
-              <a:rPr lang="en-US" dirty="0" err="1"/>
-              <a:t>blan</a:t>
-            </a:r>
-            <a:r>
-              <a:rPr lang="en-US" dirty="0"/>
-              <a:t> </a:t>
-            </a:r>
-            <a:r>
-              <a:rPr lang="en-US" dirty="0">
-                <a:sym typeface="Wingdings" panose="05000000000000000000" pitchFamily="2" charset="2"/>
-              </a:rPr>
-              <a:t></a:t>
-            </a:r>
-            <a:endParaRPr lang="en-US" dirty="0"/>
-          </a:p>
-          <a:p>
-            <a:pPr marL="0" indent="0">
-              <a:buNone/>
+              <a:rPr lang="en-US" sz="2400" dirty="0"/>
+              <a:t>Machine learning has been explained as lying at the intersection of computer science, engineering and statistics. It has been highlighted as a tool that can be applied to various problems.</a:t>
+            </a:r>
+          </a:p>
+          <a:p>
+            <a:pPr algn="just">
+              <a:spcAft>
+                <a:spcPts val="1200"/>
+              </a:spcAft>
+              <a:buFont typeface="Wingdings" panose="05000000000000000000" pitchFamily="2" charset="2"/>
+              <a:buChar char="§"/>
             </a:pPr>
-            <a:endParaRPr lang="uk-UA" sz="4400" dirty="0"/>
+            <a:r>
+              <a:rPr lang="en-US" sz="2400" dirty="0"/>
+              <a:t>Machine learning delivers the capability to detect meaningful patterns in data and has become a common tool for almost any task faced with the requirement of extracting information from data sets.</a:t>
+            </a:r>
+          </a:p>
+          <a:p>
+            <a:pPr algn="just">
+              <a:spcAft>
+                <a:spcPts val="1200"/>
+              </a:spcAft>
+              <a:buFont typeface="Wingdings" panose="05000000000000000000" pitchFamily="2" charset="2"/>
+              <a:buChar char="§"/>
+            </a:pPr>
+            <a:r>
+              <a:rPr lang="en-US" sz="2400" dirty="0"/>
+              <a:t>The application of machine learning in the management of banking risks such as credit risk, market risk, operational risk and liquidity risk has been explored and proved results.</a:t>
+            </a:r>
           </a:p>
         </p:txBody>
       </p:sp>
@@ -6053,7 +6128,7 @@
         </p:nvSpPr>
         <p:spPr>
           <a:xfrm>
-            <a:off x="9982200" y="1620254"/>
+            <a:off x="10294089" y="1384165"/>
             <a:ext cx="1600200" cy="400110"/>
           </a:xfrm>
           <a:prstGeom prst="rect">
@@ -6242,7 +6317,12 @@
             <p:ph idx="1"/>
           </p:nvPr>
         </p:nvSpPr>
-        <p:spPr/>
+        <p:spPr>
+          <a:xfrm>
+            <a:off x="838200" y="1825625"/>
+            <a:ext cx="6937744" cy="4351338"/>
+          </a:xfrm>
+        </p:spPr>
         <p:txBody>
           <a:bodyPr>
             <a:normAutofit/>
@@ -6254,7 +6334,7 @@
               <a:buAutoNum type="arabicPeriod"/>
             </a:pPr>
             <a:r>
-              <a:rPr lang="en-US" dirty="0"/>
+              <a:rPr lang="en-US" sz="2400" dirty="0"/>
               <a:t>What’s R and RStudio?</a:t>
             </a:r>
           </a:p>
@@ -6264,7 +6344,7 @@
               <a:buAutoNum type="arabicPeriod"/>
             </a:pPr>
             <a:r>
-              <a:rPr lang="en-US" dirty="0"/>
+              <a:rPr lang="en-US" sz="2400" dirty="0"/>
               <a:t>Variables and types</a:t>
             </a:r>
           </a:p>
@@ -6274,7 +6354,7 @@
               <a:buAutoNum type="arabicPeriod"/>
             </a:pPr>
             <a:r>
-              <a:rPr lang="en-US" dirty="0"/>
+              <a:rPr lang="en-US" sz="2400" dirty="0"/>
               <a:t>Operators</a:t>
             </a:r>
           </a:p>
@@ -6284,7 +6364,7 @@
               <a:buAutoNum type="arabicPeriod"/>
             </a:pPr>
             <a:r>
-              <a:rPr lang="en-US" dirty="0"/>
+              <a:rPr lang="en-US" sz="2400" dirty="0"/>
               <a:t>Mathematical functions</a:t>
             </a:r>
           </a:p>
@@ -6294,16 +6374,16 @@
               <a:buAutoNum type="arabicPeriod"/>
             </a:pPr>
             <a:r>
-              <a:rPr lang="en-US" dirty="0"/>
+              <a:rPr lang="en-US" sz="2400" dirty="0"/>
               <a:t>Data</a:t>
             </a:r>
             <a:r>
-              <a:rPr lang="uk-UA" dirty="0"/>
+              <a:rPr lang="uk-UA" sz="2400" dirty="0"/>
               <a:t> </a:t>
             </a:r>
             <a:r>
-              <a:rPr lang="en-US" dirty="0"/>
-              <a:t>structures:</a:t>
+              <a:rPr lang="en-US" sz="2400" dirty="0"/>
+              <a:t>structures</a:t>
             </a:r>
           </a:p>
           <a:p>
@@ -6359,7 +6439,7 @@
         </p:nvSpPr>
         <p:spPr>
           <a:xfrm>
-            <a:off x="9982200" y="1620254"/>
+            <a:off x="10357885" y="1425515"/>
             <a:ext cx="1600200" cy="400110"/>
           </a:xfrm>
           <a:prstGeom prst="rect">
@@ -6551,7 +6631,7 @@
         <p:spPr/>
         <p:txBody>
           <a:bodyPr>
-            <a:normAutofit/>
+            <a:noAutofit/>
           </a:bodyPr>
           <a:lstStyle/>
           <a:p>
@@ -6560,10 +6640,10 @@
               <a:buAutoNum type="arabicPeriod"/>
             </a:pPr>
             <a:r>
-              <a:rPr lang="en-US" dirty="0"/>
-              <a:t>Read/Write data: CSV, JSON, EXCEL, SQL, WEB</a:t>
-            </a:r>
-            <a:endParaRPr lang="uk-UA" dirty="0"/>
+              <a:rPr lang="en-US" sz="2400" dirty="0"/>
+              <a:t>Read/Write data: CSV, JSON, EXCEL, SQL, REST API</a:t>
+            </a:r>
+            <a:endParaRPr lang="uk-UA" sz="2400" dirty="0"/>
           </a:p>
           <a:p>
             <a:pPr marL="515938" indent="-515938" algn="just">
@@ -6571,18 +6651,39 @@
               <a:buAutoNum type="arabicPeriod"/>
             </a:pPr>
             <a:r>
+              <a:rPr lang="en-US" sz="2400" dirty="0"/>
+              <a:t>Data preprocessing</a:t>
+            </a:r>
+          </a:p>
+          <a:p>
+            <a:pPr marL="973138" lvl="1" indent="-515938" algn="just">
+              <a:buFont typeface="+mj-lt"/>
+              <a:buAutoNum type="alphaLcParenR"/>
+            </a:pPr>
+            <a:r>
               <a:rPr lang="en-US" dirty="0"/>
-              <a:t>Data manipulation with “</a:t>
-            </a:r>
-            <a:r>
-              <a:rPr lang="en-US" dirty="0" err="1"/>
-              <a:t>dplyr</a:t>
-            </a:r>
+              <a:t>Cleaning</a:t>
+            </a:r>
+          </a:p>
+          <a:p>
+            <a:pPr marL="973138" lvl="1" indent="-515938" algn="just">
+              <a:buFont typeface="+mj-lt"/>
+              <a:buAutoNum type="alphaLcParenR"/>
+            </a:pPr>
             <a:r>
               <a:rPr lang="en-US" dirty="0"/>
-              <a:t>” package</a:t>
-            </a:r>
-            <a:endParaRPr lang="uk-UA" dirty="0"/>
+              <a:t>Missing values</a:t>
+            </a:r>
+          </a:p>
+          <a:p>
+            <a:pPr marL="973138" lvl="1" indent="-515938" algn="just">
+              <a:buFont typeface="+mj-lt"/>
+              <a:buAutoNum type="alphaLcParenR"/>
+            </a:pPr>
+            <a:r>
+              <a:rPr lang="en-US" dirty="0"/>
+              <a:t>Outliers</a:t>
+            </a:r>
           </a:p>
           <a:p>
             <a:pPr marL="515938" indent="-515938" algn="just">
@@ -6590,15 +6691,17 @@
               <a:buAutoNum type="arabicPeriod"/>
             </a:pPr>
             <a:r>
-              <a:rPr lang="en-US" dirty="0"/>
-              <a:t>Feature engineering </a:t>
-            </a:r>
-          </a:p>
-          <a:p>
-            <a:pPr marL="0" indent="0">
-              <a:buNone/>
-            </a:pPr>
-            <a:endParaRPr lang="uk-UA" sz="4400" dirty="0"/>
+              <a:rPr lang="en-US" sz="2400" dirty="0"/>
+              <a:t>Data manipulation with “</a:t>
+            </a:r>
+            <a:r>
+              <a:rPr lang="en-US" sz="2400" dirty="0" err="1"/>
+              <a:t>dplyr</a:t>
+            </a:r>
+            <a:r>
+              <a:rPr lang="en-US" sz="2400" dirty="0"/>
+              <a:t>” package</a:t>
+            </a:r>
           </a:p>
         </p:txBody>
       </p:sp>
@@ -6616,8 +6719,8 @@
         </p:nvSpPr>
         <p:spPr>
           <a:xfrm>
-            <a:off x="9982200" y="1620254"/>
-            <a:ext cx="1600200" cy="707886"/>
+            <a:off x="10414591" y="1426255"/>
+            <a:ext cx="1600200" cy="400110"/>
           </a:xfrm>
           <a:prstGeom prst="rect">
             <a:avLst/>
@@ -6635,14 +6738,6 @@
               <a:rPr lang="en-US" sz="2000" dirty="0"/>
               <a:t>02.06.2021</a:t>
             </a:r>
-          </a:p>
-          <a:p>
-            <a:pPr algn="ctr"/>
-            <a:r>
-              <a:rPr lang="en-US" sz="2000" dirty="0"/>
-              <a:t>04.06.2021</a:t>
-            </a:r>
-            <a:endParaRPr lang="uk-UA" sz="2000" dirty="0"/>
           </a:p>
         </p:txBody>
       </p:sp>
@@ -6695,7 +6790,7 @@
           <a:p>
             <a:r>
               <a:rPr lang="en-US" sz="3200" dirty="0"/>
-              <a:t>3-4</a:t>
+              <a:t>3</a:t>
             </a:r>
             <a:endParaRPr lang="uk-UA" sz="3200" dirty="0"/>
           </a:p>
@@ -6790,14 +6885,7 @@
           <a:p>
             <a:r>
               <a:rPr lang="en-US" sz="3200" dirty="0"/>
-              <a:t>Linear and Logistic Regressions: </a:t>
-            </a:r>
-            <a:br>
-              <a:rPr lang="en-US" sz="3200" dirty="0"/>
-            </a:br>
-            <a:r>
-              <a:rPr lang="en-US" sz="3200" dirty="0"/>
-              <a:t>prediction and metrics</a:t>
+              <a:t>Fundamentals of ETL: data extraction, transformation and loading</a:t>
             </a:r>
             <a:endParaRPr lang="uk-UA" sz="3200" dirty="0"/>
           </a:p>
@@ -6822,7 +6910,7 @@
         <p:spPr/>
         <p:txBody>
           <a:bodyPr>
-            <a:normAutofit/>
+            <a:noAutofit/>
           </a:bodyPr>
           <a:lstStyle/>
           <a:p>
@@ -6831,85 +6919,70 @@
               <a:buAutoNum type="arabicPeriod"/>
             </a:pPr>
             <a:r>
+              <a:rPr lang="en-US" sz="2400" dirty="0"/>
+              <a:t>Feature engineering </a:t>
+            </a:r>
+          </a:p>
+          <a:p>
+            <a:pPr lvl="1"/>
+            <a:r>
               <a:rPr lang="en-US" dirty="0"/>
-              <a:t>Linear regression</a:t>
-            </a:r>
-          </a:p>
-          <a:p>
-            <a:pPr marL="973138" lvl="1" indent="-515938" algn="just">
+              <a:t>Feature Scaling</a:t>
+            </a:r>
+          </a:p>
+          <a:p>
+            <a:pPr marL="1371600" lvl="2" indent="-457200">
               <a:buFont typeface="+mj-lt"/>
               <a:buAutoNum type="alphaLcParenR"/>
             </a:pPr>
             <a:r>
-              <a:rPr lang="en-US" dirty="0"/>
-              <a:t>How it works?</a:t>
-            </a:r>
-          </a:p>
-          <a:p>
-            <a:pPr marL="973138" lvl="1" indent="-515938" algn="just">
+              <a:rPr lang="en-US" sz="2400" dirty="0"/>
+              <a:t>Normalization</a:t>
+            </a:r>
+          </a:p>
+          <a:p>
+            <a:pPr marL="1371600" lvl="2" indent="-457200">
               <a:buFont typeface="+mj-lt"/>
               <a:buAutoNum type="alphaLcParenR"/>
             </a:pPr>
             <a:r>
+              <a:rPr lang="en-US" sz="2400" dirty="0"/>
+              <a:t>Standardization</a:t>
+            </a:r>
+          </a:p>
+          <a:p>
+            <a:pPr lvl="1"/>
+            <a:r>
               <a:rPr lang="en-US" dirty="0"/>
-              <a:t>Metrics</a:t>
-            </a:r>
-          </a:p>
-          <a:p>
-            <a:pPr marL="973138" lvl="1" indent="-515938" algn="just">
+              <a:t>Feature Transformation</a:t>
+            </a:r>
+          </a:p>
+          <a:p>
+            <a:pPr lvl="1"/>
+            <a:r>
+              <a:rPr lang="en-US" dirty="0"/>
+              <a:t>Feature Construction</a:t>
+            </a:r>
+          </a:p>
+          <a:p>
+            <a:pPr marL="1371600" lvl="2" indent="-457200">
               <a:buFont typeface="+mj-lt"/>
               <a:buAutoNum type="alphaLcParenR"/>
             </a:pPr>
             <a:r>
-              <a:rPr lang="en-US" dirty="0"/>
-              <a:t>Practice</a:t>
-            </a:r>
-          </a:p>
-          <a:p>
-            <a:pPr marL="515938" indent="-515938" algn="just">
-              <a:buFont typeface="+mj-lt"/>
-              <a:buAutoNum type="arabicPeriod"/>
-            </a:pPr>
-            <a:r>
-              <a:rPr lang="en-US" dirty="0"/>
-              <a:t>Logistic regression</a:t>
-            </a:r>
-          </a:p>
-          <a:p>
-            <a:pPr marL="973138" lvl="1" indent="-515938" algn="just">
+              <a:rPr lang="en-US" sz="2400" dirty="0"/>
+              <a:t>Binning</a:t>
+            </a:r>
+          </a:p>
+          <a:p>
+            <a:pPr marL="1371600" lvl="2" indent="-457200">
               <a:buFont typeface="+mj-lt"/>
               <a:buAutoNum type="alphaLcParenR"/>
             </a:pPr>
             <a:r>
-              <a:rPr lang="en-US" dirty="0"/>
-              <a:t>How it works?</a:t>
-            </a:r>
-          </a:p>
-          <a:p>
-            <a:pPr marL="973138" lvl="1" indent="-515938" algn="just">
-              <a:buFont typeface="+mj-lt"/>
-              <a:buAutoNum type="alphaLcParenR"/>
-            </a:pPr>
-            <a:r>
-              <a:rPr lang="en-US" dirty="0"/>
-              <a:t>Metrics</a:t>
-            </a:r>
-          </a:p>
-          <a:p>
-            <a:pPr marL="973138" lvl="1" indent="-515938" algn="just">
-              <a:buFont typeface="+mj-lt"/>
-              <a:buAutoNum type="alphaLcParenR"/>
-            </a:pPr>
-            <a:r>
-              <a:rPr lang="en-US" dirty="0"/>
-              <a:t>Practice</a:t>
-            </a:r>
-          </a:p>
-          <a:p>
-            <a:pPr marL="0" indent="0">
-              <a:buNone/>
-            </a:pPr>
-            <a:endParaRPr lang="uk-UA" sz="4400" dirty="0"/>
+              <a:rPr lang="en-US" sz="2400" dirty="0"/>
+              <a:t>Encoding</a:t>
+            </a:r>
           </a:p>
         </p:txBody>
       </p:sp>
@@ -6927,7 +7000,7 @@
         </p:nvSpPr>
         <p:spPr>
           <a:xfrm>
-            <a:off x="9982200" y="1620254"/>
+            <a:off x="10414591" y="1426255"/>
             <a:ext cx="1600200" cy="400110"/>
           </a:xfrm>
           <a:prstGeom prst="rect">
@@ -6944,8 +7017,9 @@
             <a:pPr algn="ctr"/>
             <a:r>
               <a:rPr lang="en-US" sz="2000" dirty="0"/>
-              <a:t>08.06.2021</a:t>
-            </a:r>
+              <a:t>04.06.2021</a:t>
+            </a:r>
+            <a:endParaRPr lang="uk-UA" sz="2000" dirty="0"/>
           </a:p>
         </p:txBody>
       </p:sp>
@@ -6966,7 +7040,7 @@
         <p:spPr>
           <a:xfrm>
             <a:off x="73107" y="0"/>
-            <a:ext cx="765093" cy="1325561"/>
+            <a:ext cx="1184189" cy="1325561"/>
           </a:xfrm>
           <a:prstGeom prst="rect">
             <a:avLst/>
@@ -6996,10 +7070,9 @@
             </a:lvl1pPr>
           </a:lstStyle>
           <a:p>
-            <a:pPr algn="ctr"/>
             <a:r>
               <a:rPr lang="en-US" sz="3200" dirty="0"/>
-              <a:t>5</a:t>
+              <a:t>4</a:t>
             </a:r>
             <a:endParaRPr lang="uk-UA" sz="3200" dirty="0"/>
           </a:p>
@@ -7008,7 +7081,7 @@
     </p:spTree>
     <p:extLst>
       <p:ext uri="{BB962C8B-B14F-4D97-AF65-F5344CB8AC3E}">
-        <p14:creationId xmlns:p14="http://schemas.microsoft.com/office/powerpoint/2010/main" val="3814759224"/>
+        <p14:creationId xmlns:p14="http://schemas.microsoft.com/office/powerpoint/2010/main" val="2667289020"/>
       </p:ext>
     </p:extLst>
   </p:cSld>
@@ -7094,7 +7167,14 @@
           <a:p>
             <a:r>
               <a:rPr lang="en-US" sz="3200" dirty="0"/>
-              <a:t>Trees based algorithms: Decision Tree, Random Forest, Gradient Boosting</a:t>
+              <a:t>Linear and Logistic Regressions: </a:t>
+            </a:r>
+            <a:br>
+              <a:rPr lang="en-US" sz="3200" dirty="0"/>
+            </a:br>
+            <a:r>
+              <a:rPr lang="en-US" sz="3200" dirty="0"/>
+              <a:t>prediction and metrics</a:t>
             </a:r>
             <a:endParaRPr lang="uk-UA" sz="3200" dirty="0"/>
           </a:p>
@@ -7128,8 +7208,8 @@
               <a:buAutoNum type="arabicPeriod"/>
             </a:pPr>
             <a:r>
-              <a:rPr lang="en-US" sz="2800" dirty="0"/>
-              <a:t>Decision Tree </a:t>
+              <a:rPr lang="en-US" sz="2400" dirty="0"/>
+              <a:t>Linear regression</a:t>
             </a:r>
           </a:p>
           <a:p>
@@ -7149,17 +7229,18 @@
             </a:pPr>
             <a:r>
               <a:rPr lang="en-US" dirty="0"/>
-              <a:t>Practice (</a:t>
-            </a:r>
-            <a:r>
-              <a:rPr lang="en-US" dirty="0" err="1"/>
-              <a:t>rpart</a:t>
-            </a:r>
+              <a:t>Metrics</a:t>
+            </a:r>
+          </a:p>
+          <a:p>
+            <a:pPr marL="973138" lvl="1" indent="-515938" algn="just">
+              <a:buFont typeface="+mj-lt"/>
+              <a:buAutoNum type="alphaLcParenR"/>
+            </a:pPr>
             <a:r>
               <a:rPr lang="en-US" dirty="0"/>
-              <a:t> package)</a:t>
-            </a:r>
-            <a:endParaRPr lang="en-US" sz="2800" dirty="0"/>
+              <a:t>Practice</a:t>
+            </a:r>
           </a:p>
           <a:p>
             <a:pPr marL="515938" indent="-515938" algn="just">
@@ -7167,8 +7248,8 @@
               <a:buAutoNum type="arabicPeriod"/>
             </a:pPr>
             <a:r>
-              <a:rPr lang="en-US" sz="2800" dirty="0"/>
-              <a:t>Random Forest </a:t>
+              <a:rPr lang="en-US" sz="2400" dirty="0"/>
+              <a:t>Logistic regression</a:t>
             </a:r>
           </a:p>
           <a:p>
@@ -7188,17 +7269,7 @@
             </a:pPr>
             <a:r>
               <a:rPr lang="en-US" dirty="0"/>
-              <a:t>Practice (rf package)</a:t>
-            </a:r>
-          </a:p>
-          <a:p>
-            <a:pPr marL="515938" indent="-515938" algn="just">
-              <a:buFont typeface="+mj-lt"/>
-              <a:buAutoNum type="arabicPeriod"/>
-            </a:pPr>
-            <a:r>
-              <a:rPr lang="en-US" sz="2800" dirty="0"/>
-              <a:t>Gradient Boosting </a:t>
+              <a:t>Metrics</a:t>
             </a:r>
           </a:p>
           <a:p>
@@ -7208,46 +7279,14 @@
             </a:pPr>
             <a:r>
               <a:rPr lang="en-US" dirty="0"/>
-              <a:t>How it works?</a:t>
-            </a:r>
-          </a:p>
-          <a:p>
-            <a:pPr marL="973138" lvl="1" indent="-515938" algn="just">
-              <a:buFont typeface="+mj-lt"/>
-              <a:buAutoNum type="alphaLcParenR"/>
-            </a:pPr>
-            <a:r>
-              <a:rPr lang="en-US" dirty="0"/>
-              <a:t>Practice (</a:t>
-            </a:r>
-            <a:r>
-              <a:rPr lang="en-US" dirty="0" err="1"/>
-              <a:t>xgboost</a:t>
-            </a:r>
-            <a:r>
-              <a:rPr lang="en-US" dirty="0"/>
-              <a:t>, </a:t>
-            </a:r>
-            <a:r>
-              <a:rPr lang="en-US" dirty="0" err="1"/>
-              <a:t>lightgbm</a:t>
-            </a:r>
-            <a:r>
-              <a:rPr lang="en-US" dirty="0"/>
-              <a:t> packages)</a:t>
-            </a:r>
-          </a:p>
-          <a:p>
-            <a:pPr marL="457200" lvl="1" indent="0" algn="just">
-              <a:buNone/>
-            </a:pPr>
-            <a:endParaRPr lang="en-US" dirty="0"/>
+              <a:t>Practice</a:t>
+            </a:r>
           </a:p>
           <a:p>
             <a:pPr marL="0" indent="0">
               <a:buNone/>
             </a:pPr>
-            <a:endParaRPr lang="uk-UA" sz="4400" dirty="0"/>
+            <a:endParaRPr lang="uk-UA" sz="2400" dirty="0"/>
           </a:p>
         </p:txBody>
       </p:sp>
@@ -7265,7 +7304,7 @@
         </p:nvSpPr>
         <p:spPr>
           <a:xfrm>
-            <a:off x="9982200" y="1620254"/>
+            <a:off x="10435856" y="1425515"/>
             <a:ext cx="1600200" cy="400110"/>
           </a:xfrm>
           <a:prstGeom prst="rect">
@@ -7282,7 +7321,7 @@
             <a:pPr algn="ctr"/>
             <a:r>
               <a:rPr lang="en-US" sz="2000" dirty="0"/>
-              <a:t>11.06.2021</a:t>
+              <a:t>08.06.2021</a:t>
             </a:r>
           </a:p>
         </p:txBody>
@@ -7337,7 +7376,7 @@
             <a:pPr algn="ctr"/>
             <a:r>
               <a:rPr lang="en-US" sz="3200" dirty="0"/>
-              <a:t>6</a:t>
+              <a:t>5</a:t>
             </a:r>
             <a:endParaRPr lang="uk-UA" sz="3200" dirty="0"/>
           </a:p>
@@ -7346,7 +7385,7 @@
     </p:spTree>
     <p:extLst>
       <p:ext uri="{BB962C8B-B14F-4D97-AF65-F5344CB8AC3E}">
-        <p14:creationId xmlns:p14="http://schemas.microsoft.com/office/powerpoint/2010/main" val="141977544"/>
+        <p14:creationId xmlns:p14="http://schemas.microsoft.com/office/powerpoint/2010/main" val="3814759224"/>
       </p:ext>
     </p:extLst>
   </p:cSld>
@@ -7432,7 +7471,7 @@
           <a:p>
             <a:r>
               <a:rPr lang="en-US" sz="3200" dirty="0"/>
-              <a:t>Neural Networks: building, training</a:t>
+              <a:t>Trees based algorithms: Decision Tree, Random Forest, Gradient Boosting</a:t>
             </a:r>
             <a:endParaRPr lang="uk-UA" sz="3200" dirty="0"/>
           </a:p>
@@ -7466,8 +7505,36 @@
               <a:buAutoNum type="arabicPeriod"/>
             </a:pPr>
             <a:r>
+              <a:rPr lang="en-US" sz="2400" dirty="0"/>
+              <a:t>Decision Tree </a:t>
+            </a:r>
+          </a:p>
+          <a:p>
+            <a:pPr marL="973138" lvl="1" indent="-515938" algn="just">
+              <a:buFont typeface="+mj-lt"/>
+              <a:buAutoNum type="alphaLcParenR"/>
+            </a:pPr>
+            <a:r>
               <a:rPr lang="en-US" dirty="0"/>
-              <a:t>Neural Networks: structure and training process</a:t>
+              <a:t>How it works?</a:t>
+            </a:r>
+          </a:p>
+          <a:p>
+            <a:pPr marL="973138" lvl="1" indent="-515938" algn="just">
+              <a:buFont typeface="+mj-lt"/>
+              <a:buAutoNum type="alphaLcParenR"/>
+            </a:pPr>
+            <a:r>
+              <a:rPr lang="en-US" dirty="0"/>
+              <a:t>Practice (</a:t>
+            </a:r>
+            <a:r>
+              <a:rPr lang="en-US" dirty="0" err="1"/>
+              <a:t>rpart</a:t>
+            </a:r>
+            <a:r>
+              <a:rPr lang="en-US" dirty="0"/>
+              <a:t> package)</a:t>
             </a:r>
           </a:p>
           <a:p>
@@ -7476,12 +7543,28 @@
               <a:buAutoNum type="arabicPeriod"/>
             </a:pPr>
             <a:r>
-              <a:rPr lang="en-US" dirty="0" err="1"/>
-              <a:t>nnet</a:t>
-            </a:r>
+              <a:rPr lang="en-US" sz="2400" dirty="0"/>
+              <a:t>Random Forest </a:t>
+            </a:r>
+          </a:p>
+          <a:p>
+            <a:pPr marL="973138" lvl="1" indent="-515938" algn="just">
+              <a:buFont typeface="+mj-lt"/>
+              <a:buAutoNum type="alphaLcParenR"/>
+            </a:pPr>
             <a:r>
               <a:rPr lang="en-US" dirty="0"/>
-              <a:t> package</a:t>
+              <a:t>How it works?</a:t>
+            </a:r>
+          </a:p>
+          <a:p>
+            <a:pPr marL="973138" lvl="1" indent="-515938" algn="just">
+              <a:buFont typeface="+mj-lt"/>
+              <a:buAutoNum type="alphaLcParenR"/>
+            </a:pPr>
+            <a:r>
+              <a:rPr lang="en-US" dirty="0"/>
+              <a:t>Practice (rf package)</a:t>
             </a:r>
           </a:p>
           <a:p>
@@ -7490,12 +7573,44 @@
               <a:buAutoNum type="arabicPeriod"/>
             </a:pPr>
             <a:r>
+              <a:rPr lang="en-US" sz="2400" dirty="0"/>
+              <a:t>Gradient Boosting </a:t>
+            </a:r>
+          </a:p>
+          <a:p>
+            <a:pPr marL="973138" lvl="1" indent="-515938" algn="just">
+              <a:buFont typeface="+mj-lt"/>
+              <a:buAutoNum type="alphaLcParenR"/>
+            </a:pPr>
+            <a:r>
+              <a:rPr lang="en-US" dirty="0"/>
+              <a:t>How it works?</a:t>
+            </a:r>
+          </a:p>
+          <a:p>
+            <a:pPr marL="973138" lvl="1" indent="-515938" algn="just">
+              <a:buFont typeface="+mj-lt"/>
+              <a:buAutoNum type="alphaLcParenR"/>
+            </a:pPr>
+            <a:r>
+              <a:rPr lang="en-US" dirty="0"/>
+              <a:t>Practice (</a:t>
+            </a:r>
+            <a:r>
               <a:rPr lang="en-US" dirty="0" err="1"/>
-              <a:t>neuralnet</a:t>
+              <a:t>xgboost</a:t>
             </a:r>
             <a:r>
               <a:rPr lang="en-US" dirty="0"/>
-              <a:t> package</a:t>
+              <a:t>, </a:t>
+            </a:r>
+            <a:r>
+              <a:rPr lang="en-US" dirty="0" err="1"/>
+              <a:t>lightgbm</a:t>
+            </a:r>
+            <a:r>
+              <a:rPr lang="en-US" dirty="0"/>
+              <a:t> packages)</a:t>
             </a:r>
           </a:p>
           <a:p>
@@ -7504,15 +7619,9 @@
               <a:buAutoNum type="arabicPeriod"/>
             </a:pPr>
             <a:r>
-              <a:rPr lang="en-US" dirty="0"/>
-              <a:t>Deep learning with H2O package</a:t>
-            </a:r>
-          </a:p>
-          <a:p>
-            <a:pPr marL="0" indent="0">
-              <a:buNone/>
-            </a:pPr>
-            <a:endParaRPr lang="uk-UA" sz="4400" dirty="0"/>
+              <a:rPr lang="en-US" sz="2400" dirty="0"/>
+              <a:t>Ability to interpret models</a:t>
+            </a:r>
           </a:p>
         </p:txBody>
       </p:sp>
@@ -7547,7 +7656,7 @@
             <a:pPr algn="ctr"/>
             <a:r>
               <a:rPr lang="en-US" sz="2000" dirty="0"/>
-              <a:t>15.06.2021</a:t>
+              <a:t>11.06.2021</a:t>
             </a:r>
           </a:p>
         </p:txBody>
@@ -7602,7 +7711,7 @@
             <a:pPr algn="ctr"/>
             <a:r>
               <a:rPr lang="en-US" sz="3200" dirty="0"/>
-              <a:t>7</a:t>
+              <a:t>6</a:t>
             </a:r>
             <a:endParaRPr lang="uk-UA" sz="3200" dirty="0"/>
           </a:p>
@@ -7611,7 +7720,7 @@
     </p:spTree>
     <p:extLst>
       <p:ext uri="{BB962C8B-B14F-4D97-AF65-F5344CB8AC3E}">
-        <p14:creationId xmlns:p14="http://schemas.microsoft.com/office/powerpoint/2010/main" val="3557913950"/>
+        <p14:creationId xmlns:p14="http://schemas.microsoft.com/office/powerpoint/2010/main" val="141977544"/>
       </p:ext>
     </p:extLst>
   </p:cSld>
@@ -7697,14 +7806,7 @@
           <a:p>
             <a:r>
               <a:rPr lang="en-US" sz="3200" dirty="0"/>
-              <a:t>Practical case study: </a:t>
-            </a:r>
-            <a:br>
-              <a:rPr lang="en-US" sz="3200" dirty="0"/>
-            </a:br>
-            <a:r>
-              <a:rPr lang="en-US" sz="3200" dirty="0"/>
-              <a:t>developing a default prediction model</a:t>
+              <a:t>Neural Networks: building, training</a:t>
             </a:r>
             <a:endParaRPr lang="uk-UA" sz="3200" dirty="0"/>
           </a:p>
@@ -7738,8 +7840,8 @@
               <a:buAutoNum type="arabicPeriod"/>
             </a:pPr>
             <a:r>
-              <a:rPr lang="en-US" dirty="0"/>
-              <a:t>Data Explore</a:t>
+              <a:rPr lang="en-US" sz="2400" dirty="0"/>
+              <a:t>Neural Networks: structure and training process</a:t>
             </a:r>
           </a:p>
           <a:p>
@@ -7748,8 +7850,12 @@
               <a:buAutoNum type="arabicPeriod"/>
             </a:pPr>
             <a:r>
-              <a:rPr lang="en-US" dirty="0"/>
-              <a:t>Data Preprocessing</a:t>
+              <a:rPr lang="en-US" sz="2400" dirty="0" err="1"/>
+              <a:t>nnet</a:t>
+            </a:r>
+            <a:r>
+              <a:rPr lang="en-US" sz="2400" dirty="0"/>
+              <a:t> package</a:t>
             </a:r>
           </a:p>
           <a:p>
@@ -7758,8 +7864,12 @@
               <a:buAutoNum type="arabicPeriod"/>
             </a:pPr>
             <a:r>
-              <a:rPr lang="en-US" dirty="0"/>
-              <a:t>Train/test data split</a:t>
+              <a:rPr lang="en-US" sz="2400" dirty="0" err="1"/>
+              <a:t>neuralnet</a:t>
+            </a:r>
+            <a:r>
+              <a:rPr lang="en-US" sz="2400" dirty="0"/>
+              <a:t> package</a:t>
             </a:r>
           </a:p>
           <a:p>
@@ -7768,18 +7878,247 @@
               <a:buAutoNum type="arabicPeriod"/>
             </a:pPr>
             <a:r>
-              <a:rPr lang="en-US" dirty="0"/>
-              <a:t>Feature engineering </a:t>
-            </a:r>
-          </a:p>
+              <a:rPr lang="en-US" sz="2400" dirty="0"/>
+              <a:t>Deep learning with H2O package</a:t>
+            </a:r>
+          </a:p>
+          <a:p>
+            <a:pPr marL="0" indent="0">
+              <a:buNone/>
+            </a:pPr>
+            <a:endParaRPr lang="uk-UA" sz="4400" dirty="0"/>
+          </a:p>
+        </p:txBody>
+      </p:sp>
+      <p:sp>
+        <p:nvSpPr>
+          <p:cNvPr id="7" name="TextBox 6">
+            <a:extLst>
+              <a:ext uri="{FF2B5EF4-FFF2-40B4-BE49-F238E27FC236}">
+                <a16:creationId xmlns:a16="http://schemas.microsoft.com/office/drawing/2014/main" id="{CBA4375D-B3AE-4B65-9D21-E3405A71F25C}"/>
+              </a:ext>
+            </a:extLst>
+          </p:cNvPr>
+          <p:cNvSpPr txBox="1"/>
+          <p:nvPr/>
+        </p:nvSpPr>
+        <p:spPr>
+          <a:xfrm>
+            <a:off x="9982200" y="1620254"/>
+            <a:ext cx="1600200" cy="400110"/>
+          </a:xfrm>
+          <a:prstGeom prst="rect">
+            <a:avLst/>
+          </a:prstGeom>
+          <a:noFill/>
+        </p:spPr>
+        <p:txBody>
+          <a:bodyPr wrap="square">
+            <a:spAutoFit/>
+          </a:bodyPr>
+          <a:lstStyle/>
+          <a:p>
+            <a:pPr algn="ctr"/>
+            <a:r>
+              <a:rPr lang="en-US" sz="2000" dirty="0"/>
+              <a:t>15.06.2021</a:t>
+            </a:r>
+          </a:p>
+        </p:txBody>
+      </p:sp>
+      <p:sp>
+        <p:nvSpPr>
+          <p:cNvPr id="8" name="Заголовок 3">
+            <a:extLst>
+              <a:ext uri="{FF2B5EF4-FFF2-40B4-BE49-F238E27FC236}">
+                <a16:creationId xmlns:a16="http://schemas.microsoft.com/office/drawing/2014/main" id="{FC2E85EB-1B10-427C-B396-69F9269128FA}"/>
+              </a:ext>
+            </a:extLst>
+          </p:cNvPr>
+          <p:cNvSpPr txBox="1">
+            <a:spLocks/>
+          </p:cNvSpPr>
+          <p:nvPr/>
+        </p:nvSpPr>
+        <p:spPr>
+          <a:xfrm>
+            <a:off x="73107" y="0"/>
+            <a:ext cx="765093" cy="1325561"/>
+          </a:xfrm>
+          <a:prstGeom prst="rect">
+            <a:avLst/>
+          </a:prstGeom>
+        </p:spPr>
+        <p:txBody>
+          <a:bodyPr vert="horz" lIns="91440" tIns="45720" rIns="91440" bIns="45720" rtlCol="0" anchor="ctr">
+            <a:normAutofit/>
+          </a:bodyPr>
+          <a:lstStyle>
+            <a:lvl1pPr algn="l" defTabSz="914400" rtl="0" eaLnBrk="1" latinLnBrk="0" hangingPunct="1">
+              <a:lnSpc>
+                <a:spcPct val="90000"/>
+              </a:lnSpc>
+              <a:spcBef>
+                <a:spcPct val="0"/>
+              </a:spcBef>
+              <a:buNone/>
+              <a:defRPr sz="4400" kern="1200">
+                <a:solidFill>
+                  <a:schemeClr val="bg1"/>
+                </a:solidFill>
+                <a:latin typeface="+mj-lt"/>
+                <a:ea typeface="+mj-ea"/>
+                <a:cs typeface="+mj-cs"/>
+              </a:defRPr>
+            </a:lvl1pPr>
+          </a:lstStyle>
+          <a:p>
+            <a:pPr algn="ctr"/>
+            <a:r>
+              <a:rPr lang="en-US" sz="3200" dirty="0"/>
+              <a:t>7</a:t>
+            </a:r>
+            <a:endParaRPr lang="uk-UA" sz="3200" dirty="0"/>
+          </a:p>
+        </p:txBody>
+      </p:sp>
+    </p:spTree>
+    <p:extLst>
+      <p:ext uri="{BB962C8B-B14F-4D97-AF65-F5344CB8AC3E}">
+        <p14:creationId xmlns:p14="http://schemas.microsoft.com/office/powerpoint/2010/main" val="3557913950"/>
+      </p:ext>
+    </p:extLst>
+  </p:cSld>
+  <p:clrMapOvr>
+    <a:masterClrMapping/>
+  </p:clrMapOvr>
+</p:sld>
+</file>
+
+<file path=ppt/slides/slide9.xml><?xml version="1.0" encoding="utf-8"?>
+<p:sld xmlns:a="http://schemas.openxmlformats.org/drawingml/2006/main" xmlns:r="http://schemas.openxmlformats.org/officeDocument/2006/relationships" xmlns:p="http://schemas.openxmlformats.org/presentationml/2006/main">
+  <p:cSld>
+    <p:spTree>
+      <p:nvGrpSpPr>
+        <p:cNvPr id="1" name=""/>
+        <p:cNvGrpSpPr/>
+        <p:nvPr/>
+      </p:nvGrpSpPr>
+      <p:grpSpPr>
+        <a:xfrm>
+          <a:off x="0" y="0"/>
+          <a:ext cx="0" cy="0"/>
+          <a:chOff x="0" y="0"/>
+          <a:chExt cx="0" cy="0"/>
+        </a:xfrm>
+      </p:grpSpPr>
+      <p:sp>
+        <p:nvSpPr>
+          <p:cNvPr id="3" name="Місце для номера слайда 2">
+            <a:extLst>
+              <a:ext uri="{FF2B5EF4-FFF2-40B4-BE49-F238E27FC236}">
+                <a16:creationId xmlns:a16="http://schemas.microsoft.com/office/drawing/2014/main" id="{9E31D465-47CF-49FD-97BA-4102330CE98E}"/>
+              </a:ext>
+            </a:extLst>
+          </p:cNvPr>
+          <p:cNvSpPr>
+            <a:spLocks noGrp="1"/>
+          </p:cNvSpPr>
+          <p:nvPr>
+            <p:ph type="sldNum" sz="quarter" idx="12"/>
+          </p:nvPr>
+        </p:nvSpPr>
+        <p:spPr/>
+        <p:txBody>
+          <a:bodyPr/>
+          <a:lstStyle/>
+          <a:p>
+            <a:fld id="{472947FE-C0EE-4B89-BF95-BB6F5DBEA98C}" type="slidenum">
+              <a:rPr lang="uk-UA" smtClean="0"/>
+              <a:t>9</a:t>
+            </a:fld>
+            <a:endParaRPr lang="uk-UA"/>
+          </a:p>
+        </p:txBody>
+      </p:sp>
+      <p:sp>
+        <p:nvSpPr>
+          <p:cNvPr id="4" name="Заголовок 3">
+            <a:extLst>
+              <a:ext uri="{FF2B5EF4-FFF2-40B4-BE49-F238E27FC236}">
+                <a16:creationId xmlns:a16="http://schemas.microsoft.com/office/drawing/2014/main" id="{C70CB910-1A1F-4710-B6A8-53C5D19625FF}"/>
+              </a:ext>
+            </a:extLst>
+          </p:cNvPr>
+          <p:cNvSpPr>
+            <a:spLocks noGrp="1"/>
+          </p:cNvSpPr>
+          <p:nvPr>
+            <p:ph type="title"/>
+          </p:nvPr>
+        </p:nvSpPr>
+        <p:spPr>
+          <a:xfrm>
+            <a:off x="838200" y="17253"/>
+            <a:ext cx="7936832" cy="1325561"/>
+          </a:xfrm>
+        </p:spPr>
+        <p:txBody>
+          <a:bodyPr>
+            <a:normAutofit/>
+          </a:bodyPr>
+          <a:lstStyle/>
+          <a:p>
+            <a:r>
+              <a:rPr lang="en-US" sz="3200" dirty="0"/>
+              <a:t>Practical case study: </a:t>
+            </a:r>
+            <a:br>
+              <a:rPr lang="en-US" sz="3200" dirty="0"/>
+            </a:br>
+            <a:r>
+              <a:rPr lang="en-US" sz="3200" dirty="0"/>
+              <a:t>developing a default prediction model</a:t>
+            </a:r>
+            <a:endParaRPr lang="uk-UA" sz="3200" dirty="0"/>
+          </a:p>
+        </p:txBody>
+      </p:sp>
+      <p:sp>
+        <p:nvSpPr>
+          <p:cNvPr id="6" name="Місце для вмісту 5">
+            <a:extLst>
+              <a:ext uri="{FF2B5EF4-FFF2-40B4-BE49-F238E27FC236}">
+                <a16:creationId xmlns:a16="http://schemas.microsoft.com/office/drawing/2014/main" id="{F95DAF23-D93D-40EA-BEFA-69788F44F7E4}"/>
+              </a:ext>
+            </a:extLst>
+          </p:cNvPr>
+          <p:cNvSpPr>
+            <a:spLocks noGrp="1"/>
+          </p:cNvSpPr>
+          <p:nvPr>
+            <p:ph idx="1"/>
+          </p:nvPr>
+        </p:nvSpPr>
+        <p:spPr>
+          <a:xfrm>
+            <a:off x="838200" y="1825625"/>
+            <a:ext cx="9144000" cy="4351338"/>
+          </a:xfrm>
+        </p:spPr>
+        <p:txBody>
+          <a:bodyPr>
+            <a:normAutofit/>
+          </a:bodyPr>
+          <a:lstStyle/>
           <a:p>
             <a:pPr marL="515938" indent="-515938" algn="just">
               <a:buFont typeface="+mj-lt"/>
               <a:buAutoNum type="arabicPeriod"/>
             </a:pPr>
             <a:r>
-              <a:rPr lang="en-US" dirty="0"/>
-              <a:t>Training models</a:t>
+              <a:rPr lang="en-US" sz="2400" dirty="0"/>
+              <a:t>Data Explore</a:t>
             </a:r>
           </a:p>
           <a:p>
@@ -7788,28 +8127,49 @@
               <a:buAutoNum type="arabicPeriod"/>
             </a:pPr>
             <a:r>
-              <a:rPr lang="en-US" dirty="0"/>
-              <a:t>Metrics and best model selection</a:t>
-            </a:r>
-          </a:p>
-          <a:p>
-            <a:pPr marL="0" indent="0" algn="just">
-              <a:buNone/>
-            </a:pPr>
-            <a:endParaRPr lang="en-US" dirty="0"/>
+              <a:rPr lang="en-US" sz="2400" dirty="0"/>
+              <a:t>Data Preprocessing</a:t>
+            </a:r>
           </a:p>
           <a:p>
             <a:pPr marL="515938" indent="-515938" algn="just">
               <a:buFont typeface="+mj-lt"/>
               <a:buAutoNum type="arabicPeriod"/>
             </a:pPr>
-            <a:endParaRPr lang="en-US" dirty="0"/>
-          </a:p>
-          <a:p>
-            <a:pPr marL="0" indent="0">
-              <a:buNone/>
+            <a:r>
+              <a:rPr lang="en-US" sz="2400" dirty="0"/>
+              <a:t>Train/test data split</a:t>
+            </a:r>
+          </a:p>
+          <a:p>
+            <a:pPr marL="515938" indent="-515938" algn="just">
+              <a:buFont typeface="+mj-lt"/>
+              <a:buAutoNum type="arabicPeriod"/>
             </a:pPr>
-            <a:endParaRPr lang="uk-UA" sz="4400" dirty="0"/>
+            <a:r>
+              <a:rPr lang="en-US" sz="2400" dirty="0"/>
+              <a:t>Feature engineering </a:t>
+            </a:r>
+          </a:p>
+          <a:p>
+            <a:pPr marL="515938" indent="-515938" algn="just">
+              <a:buFont typeface="+mj-lt"/>
+              <a:buAutoNum type="arabicPeriod"/>
+            </a:pPr>
+            <a:r>
+              <a:rPr lang="en-US" sz="2400" dirty="0"/>
+              <a:t>Training models</a:t>
+            </a:r>
+          </a:p>
+          <a:p>
+            <a:pPr marL="515938" indent="-515938" algn="just">
+              <a:buFont typeface="+mj-lt"/>
+              <a:buAutoNum type="arabicPeriod"/>
+            </a:pPr>
+            <a:r>
+              <a:rPr lang="en-US" sz="2400" dirty="0"/>
+              <a:t>Metrics and best model selection</a:t>
+            </a:r>
           </a:p>
         </p:txBody>
       </p:sp>
